--- a/docs/paper/graphics/execUC-colored.pptx
+++ b/docs/paper/graphics/execUC-colored.pptx
@@ -3583,91 +3583,6 @@
       </p:cxnSp>
       <p:grpSp>
         <p:nvGrpSpPr>
-          <p:cNvPr id="24" name="Group 23"/>
-          <p:cNvGrpSpPr/>
-          <p:nvPr/>
-        </p:nvGrpSpPr>
-        <p:grpSpPr>
-          <a:xfrm>
-            <a:off x="3195491" y="1867437"/>
-            <a:ext cx="308887" cy="308887"/>
-            <a:chOff x="3325484" y="1931045"/>
-            <a:chExt cx="454654" cy="454654"/>
-          </a:xfrm>
-        </p:grpSpPr>
-        <p:sp>
-          <p:nvSpPr>
-            <p:cNvPr id="146" name="Rectangle 145"/>
-            <p:cNvSpPr/>
-            <p:nvPr/>
-          </p:nvSpPr>
-          <p:spPr>
-            <a:xfrm>
-              <a:off x="3325484" y="1931045"/>
-              <a:ext cx="454654" cy="454654"/>
-            </a:xfrm>
-            <a:prstGeom prst="rect">
-              <a:avLst/>
-            </a:prstGeom>
-            <a:noFill/>
-            <a:ln w="19050">
-              <a:solidFill>
-                <a:schemeClr val="tx1"/>
-              </a:solidFill>
-            </a:ln>
-          </p:spPr>
-          <p:style>
-            <a:lnRef idx="2">
-              <a:schemeClr val="accent1">
-                <a:shade val="50000"/>
-              </a:schemeClr>
-            </a:lnRef>
-            <a:fillRef idx="1">
-              <a:schemeClr val="accent1"/>
-            </a:fillRef>
-            <a:effectRef idx="0">
-              <a:schemeClr val="accent1"/>
-            </a:effectRef>
-            <a:fontRef idx="minor">
-              <a:schemeClr val="lt1"/>
-            </a:fontRef>
-          </p:style>
-          <p:txBody>
-            <a:bodyPr rtlCol="0" anchor="ctr"/>
-            <a:lstStyle/>
-            <a:p>
-              <a:pPr algn="ctr"/>
-              <a:endParaRPr lang="en-US"/>
-            </a:p>
-          </p:txBody>
-        </p:sp>
-        <p:pic>
-          <p:nvPicPr>
-            <p:cNvPr id="19" name="Picture 18"/>
-            <p:cNvPicPr>
-              <a:picLocks noChangeAspect="1"/>
-            </p:cNvPicPr>
-            <p:nvPr/>
-          </p:nvPicPr>
-          <p:blipFill>
-            <a:blip r:embed="rId3"/>
-            <a:stretch>
-              <a:fillRect/>
-            </a:stretch>
-          </p:blipFill>
-          <p:spPr>
-            <a:xfrm>
-              <a:off x="3399162" y="2056772"/>
-              <a:ext cx="304800" cy="203200"/>
-            </a:xfrm>
-            <a:prstGeom prst="rect">
-              <a:avLst/>
-            </a:prstGeom>
-          </p:spPr>
-        </p:pic>
-      </p:grpSp>
-      <p:grpSp>
-        <p:nvGrpSpPr>
           <p:cNvPr id="244" name="Group 243"/>
           <p:cNvGrpSpPr/>
           <p:nvPr/>
@@ -3735,7 +3650,7 @@
             <p:nvPr/>
           </p:nvPicPr>
           <p:blipFill>
-            <a:blip r:embed="rId4"/>
+            <a:blip r:embed="rId3"/>
             <a:stretch>
               <a:fillRect/>
             </a:stretch>
@@ -3760,7 +3675,7 @@
           <p:nvPr/>
         </p:nvPicPr>
         <p:blipFill>
-          <a:blip r:embed="rId5"/>
+          <a:blip r:embed="rId4"/>
           <a:stretch>
             <a:fillRect/>
           </a:stretch>
@@ -3784,7 +3699,7 @@
           <p:nvPr/>
         </p:nvPicPr>
         <p:blipFill>
-          <a:blip r:embed="rId6"/>
+          <a:blip r:embed="rId5"/>
           <a:stretch>
             <a:fillRect/>
           </a:stretch>
@@ -3856,7 +3771,7 @@
           </a:prstGeom>
           <a:ln w="19050">
             <a:solidFill>
-              <a:schemeClr val="accent2"/>
+              <a:srgbClr val="7030A0"/>
             </a:solidFill>
           </a:ln>
         </p:spPr>
@@ -3884,7 +3799,7 @@
           <p:nvPr/>
         </p:nvPicPr>
         <p:blipFill>
-          <a:blip r:embed="rId7"/>
+          <a:blip r:embed="rId6"/>
           <a:stretch>
             <a:fillRect/>
           </a:stretch>
@@ -4014,7 +3929,7 @@
             <p:nvPr/>
           </p:nvPicPr>
           <p:blipFill>
-            <a:blip r:embed="rId8"/>
+            <a:blip r:embed="rId7"/>
             <a:stretch>
               <a:fillRect/>
             </a:stretch>
@@ -4076,6 +3991,273 @@
           </p:txBody>
         </p:sp>
       </p:grpSp>
+      <p:cxnSp>
+        <p:nvCxnSpPr>
+          <p:cNvPr id="8" name="Straight Connector 7"/>
+          <p:cNvCxnSpPr>
+            <a:endCxn id="146" idx="1"/>
+          </p:cNvCxnSpPr>
+          <p:nvPr/>
+        </p:nvCxnSpPr>
+        <p:spPr>
+          <a:xfrm flipV="1">
+            <a:off x="2529535" y="2021881"/>
+            <a:ext cx="665956" cy="666671"/>
+          </a:xfrm>
+          <a:prstGeom prst="line">
+            <a:avLst/>
+          </a:prstGeom>
+          <a:ln w="12700">
+            <a:solidFill>
+              <a:schemeClr val="tx1"/>
+            </a:solidFill>
+            <a:prstDash val="sysDash"/>
+          </a:ln>
+        </p:spPr>
+        <p:style>
+          <a:lnRef idx="1">
+            <a:schemeClr val="accent1"/>
+          </a:lnRef>
+          <a:fillRef idx="0">
+            <a:schemeClr val="accent1"/>
+          </a:fillRef>
+          <a:effectRef idx="0">
+            <a:schemeClr val="accent1"/>
+          </a:effectRef>
+          <a:fontRef idx="minor">
+            <a:schemeClr val="tx1"/>
+          </a:fontRef>
+        </p:style>
+      </p:cxnSp>
+      <p:cxnSp>
+        <p:nvCxnSpPr>
+          <p:cNvPr id="46" name="Straight Connector 45"/>
+          <p:cNvCxnSpPr/>
+          <p:nvPr/>
+        </p:nvCxnSpPr>
+        <p:spPr>
+          <a:xfrm flipV="1">
+            <a:off x="2664669" y="2228659"/>
+            <a:ext cx="601302" cy="601953"/>
+          </a:xfrm>
+          <a:prstGeom prst="line">
+            <a:avLst/>
+          </a:prstGeom>
+          <a:ln w="12700">
+            <a:solidFill>
+              <a:schemeClr val="tx1"/>
+            </a:solidFill>
+            <a:prstDash val="sysDash"/>
+          </a:ln>
+        </p:spPr>
+        <p:style>
+          <a:lnRef idx="1">
+            <a:schemeClr val="accent1"/>
+          </a:lnRef>
+          <a:fillRef idx="0">
+            <a:schemeClr val="accent1"/>
+          </a:fillRef>
+          <a:effectRef idx="0">
+            <a:schemeClr val="accent1"/>
+          </a:effectRef>
+          <a:fontRef idx="minor">
+            <a:schemeClr val="tx1"/>
+          </a:fontRef>
+        </p:style>
+      </p:cxnSp>
+      <p:grpSp>
+        <p:nvGrpSpPr>
+          <p:cNvPr id="24" name="Group 23"/>
+          <p:cNvGrpSpPr/>
+          <p:nvPr/>
+        </p:nvGrpSpPr>
+        <p:grpSpPr>
+          <a:xfrm>
+            <a:off x="3195491" y="1867437"/>
+            <a:ext cx="308887" cy="308887"/>
+            <a:chOff x="3325484" y="1931045"/>
+            <a:chExt cx="454654" cy="454654"/>
+          </a:xfrm>
+        </p:grpSpPr>
+        <p:sp>
+          <p:nvSpPr>
+            <p:cNvPr id="146" name="Rectangle 145"/>
+            <p:cNvSpPr/>
+            <p:nvPr/>
+          </p:nvSpPr>
+          <p:spPr>
+            <a:xfrm>
+              <a:off x="3325484" y="1931045"/>
+              <a:ext cx="454654" cy="454654"/>
+            </a:xfrm>
+            <a:prstGeom prst="rect">
+              <a:avLst/>
+            </a:prstGeom>
+            <a:noFill/>
+            <a:ln w="19050">
+              <a:solidFill>
+                <a:schemeClr val="tx1"/>
+              </a:solidFill>
+            </a:ln>
+          </p:spPr>
+          <p:style>
+            <a:lnRef idx="2">
+              <a:schemeClr val="accent1">
+                <a:shade val="50000"/>
+              </a:schemeClr>
+            </a:lnRef>
+            <a:fillRef idx="1">
+              <a:schemeClr val="accent1"/>
+            </a:fillRef>
+            <a:effectRef idx="0">
+              <a:schemeClr val="accent1"/>
+            </a:effectRef>
+            <a:fontRef idx="minor">
+              <a:schemeClr val="lt1"/>
+            </a:fontRef>
+          </p:style>
+          <p:txBody>
+            <a:bodyPr rtlCol="0" anchor="ctr"/>
+            <a:lstStyle/>
+            <a:p>
+              <a:pPr algn="ctr"/>
+              <a:endParaRPr lang="en-US"/>
+            </a:p>
+          </p:txBody>
+        </p:sp>
+        <p:pic>
+          <p:nvPicPr>
+            <p:cNvPr id="19" name="Picture 18"/>
+            <p:cNvPicPr>
+              <a:picLocks noChangeAspect="1"/>
+            </p:cNvPicPr>
+            <p:nvPr/>
+          </p:nvPicPr>
+          <p:blipFill>
+            <a:blip r:embed="rId8"/>
+            <a:stretch>
+              <a:fillRect/>
+            </a:stretch>
+          </p:blipFill>
+          <p:spPr>
+            <a:xfrm>
+              <a:off x="3399162" y="2056772"/>
+              <a:ext cx="304800" cy="203200"/>
+            </a:xfrm>
+            <a:prstGeom prst="rect">
+              <a:avLst/>
+            </a:prstGeom>
+          </p:spPr>
+        </p:pic>
+      </p:grpSp>
+      <p:cxnSp>
+        <p:nvCxnSpPr>
+          <p:cNvPr id="50" name="Straight Connector 49"/>
+          <p:cNvCxnSpPr/>
+          <p:nvPr/>
+        </p:nvCxnSpPr>
+        <p:spPr>
+          <a:xfrm flipV="1">
+            <a:off x="3563993" y="1835459"/>
+            <a:ext cx="97146" cy="97249"/>
+          </a:xfrm>
+          <a:prstGeom prst="line">
+            <a:avLst/>
+          </a:prstGeom>
+          <a:ln w="12700">
+            <a:solidFill>
+              <a:schemeClr val="tx1"/>
+            </a:solidFill>
+            <a:prstDash val="sysDash"/>
+          </a:ln>
+        </p:spPr>
+        <p:style>
+          <a:lnRef idx="1">
+            <a:schemeClr val="accent1"/>
+          </a:lnRef>
+          <a:fillRef idx="0">
+            <a:schemeClr val="accent1"/>
+          </a:fillRef>
+          <a:effectRef idx="0">
+            <a:schemeClr val="accent1"/>
+          </a:effectRef>
+          <a:fontRef idx="minor">
+            <a:schemeClr val="tx1"/>
+          </a:fontRef>
+        </p:style>
+      </p:cxnSp>
+      <p:cxnSp>
+        <p:nvCxnSpPr>
+          <p:cNvPr id="44" name="Straight Connector 43"/>
+          <p:cNvCxnSpPr/>
+          <p:nvPr/>
+        </p:nvCxnSpPr>
+        <p:spPr>
+          <a:xfrm>
+            <a:off x="3265971" y="2228659"/>
+            <a:ext cx="293024" cy="0"/>
+          </a:xfrm>
+          <a:prstGeom prst="line">
+            <a:avLst/>
+          </a:prstGeom>
+          <a:ln w="12700">
+            <a:solidFill>
+              <a:schemeClr val="tx1"/>
+            </a:solidFill>
+            <a:prstDash val="sysDash"/>
+          </a:ln>
+        </p:spPr>
+        <p:style>
+          <a:lnRef idx="1">
+            <a:schemeClr val="accent1"/>
+          </a:lnRef>
+          <a:fillRef idx="0">
+            <a:schemeClr val="accent1"/>
+          </a:fillRef>
+          <a:effectRef idx="0">
+            <a:schemeClr val="accent1"/>
+          </a:effectRef>
+          <a:fontRef idx="minor">
+            <a:schemeClr val="tx1"/>
+          </a:fontRef>
+        </p:style>
+      </p:cxnSp>
+      <p:cxnSp>
+        <p:nvCxnSpPr>
+          <p:cNvPr id="65" name="Straight Connector 64"/>
+          <p:cNvCxnSpPr/>
+          <p:nvPr/>
+        </p:nvCxnSpPr>
+        <p:spPr>
+          <a:xfrm rot="16200000">
+            <a:off x="3408666" y="2079220"/>
+            <a:ext cx="293024" cy="0"/>
+          </a:xfrm>
+          <a:prstGeom prst="line">
+            <a:avLst/>
+          </a:prstGeom>
+          <a:ln w="12700">
+            <a:solidFill>
+              <a:schemeClr val="tx1"/>
+            </a:solidFill>
+            <a:prstDash val="sysDash"/>
+          </a:ln>
+        </p:spPr>
+        <p:style>
+          <a:lnRef idx="1">
+            <a:schemeClr val="accent1"/>
+          </a:lnRef>
+          <a:fillRef idx="0">
+            <a:schemeClr val="accent1"/>
+          </a:fillRef>
+          <a:effectRef idx="0">
+            <a:schemeClr val="accent1"/>
+          </a:effectRef>
+          <a:fontRef idx="minor">
+            <a:schemeClr val="tx1"/>
+          </a:fontRef>
+        </p:style>
+      </p:cxnSp>
     </p:spTree>
     <p:extLst>
       <p:ext uri="{BB962C8B-B14F-4D97-AF65-F5344CB8AC3E}">
